--- a/Data Structure 02.pptx
+++ b/Data Structure 02.pptx
@@ -252,7 +252,7 @@
           <a:p>
             <a:fld id="{2A01B1D6-CBC4-4BB3-8120-60B4BB59CE34}" type="datetimeFigureOut">
               <a:rPr lang="en-US" smtClean="0"/>
-              <a:t>8/1/2016</a:t>
+              <a:t>8/29/2016</a:t>
             </a:fld>
             <a:endParaRPr lang="en-US"/>
           </a:p>
@@ -735,7 +735,7 @@
           <a:p>
             <a:fld id="{BC5696E7-2F40-4445-9D0E-84CC57C7549A}" type="datetimeFigureOut">
               <a:rPr lang="en-US" smtClean="0"/>
-              <a:t>8/1/2016</a:t>
+              <a:t>8/29/2016</a:t>
             </a:fld>
             <a:endParaRPr lang="en-US"/>
           </a:p>
@@ -905,7 +905,7 @@
           <a:p>
             <a:fld id="{BC5696E7-2F40-4445-9D0E-84CC57C7549A}" type="datetimeFigureOut">
               <a:rPr lang="en-US" smtClean="0"/>
-              <a:t>8/1/2016</a:t>
+              <a:t>8/29/2016</a:t>
             </a:fld>
             <a:endParaRPr lang="en-US"/>
           </a:p>
@@ -1085,7 +1085,7 @@
           <a:p>
             <a:fld id="{BC5696E7-2F40-4445-9D0E-84CC57C7549A}" type="datetimeFigureOut">
               <a:rPr lang="en-US" smtClean="0"/>
-              <a:t>8/1/2016</a:t>
+              <a:t>8/29/2016</a:t>
             </a:fld>
             <a:endParaRPr lang="en-US"/>
           </a:p>
@@ -1255,7 +1255,7 @@
           <a:p>
             <a:fld id="{BC5696E7-2F40-4445-9D0E-84CC57C7549A}" type="datetimeFigureOut">
               <a:rPr lang="en-US" smtClean="0"/>
-              <a:t>8/1/2016</a:t>
+              <a:t>8/29/2016</a:t>
             </a:fld>
             <a:endParaRPr lang="en-US"/>
           </a:p>
@@ -1501,7 +1501,7 @@
           <a:p>
             <a:fld id="{BC5696E7-2F40-4445-9D0E-84CC57C7549A}" type="datetimeFigureOut">
               <a:rPr lang="en-US" smtClean="0"/>
-              <a:t>8/1/2016</a:t>
+              <a:t>8/29/2016</a:t>
             </a:fld>
             <a:endParaRPr lang="en-US"/>
           </a:p>
@@ -1733,7 +1733,7 @@
           <a:p>
             <a:fld id="{BC5696E7-2F40-4445-9D0E-84CC57C7549A}" type="datetimeFigureOut">
               <a:rPr lang="en-US" smtClean="0"/>
-              <a:t>8/1/2016</a:t>
+              <a:t>8/29/2016</a:t>
             </a:fld>
             <a:endParaRPr lang="en-US"/>
           </a:p>
@@ -2100,7 +2100,7 @@
           <a:p>
             <a:fld id="{BC5696E7-2F40-4445-9D0E-84CC57C7549A}" type="datetimeFigureOut">
               <a:rPr lang="en-US" smtClean="0"/>
-              <a:t>8/1/2016</a:t>
+              <a:t>8/29/2016</a:t>
             </a:fld>
             <a:endParaRPr lang="en-US"/>
           </a:p>
@@ -2218,7 +2218,7 @@
           <a:p>
             <a:fld id="{BC5696E7-2F40-4445-9D0E-84CC57C7549A}" type="datetimeFigureOut">
               <a:rPr lang="en-US" smtClean="0"/>
-              <a:t>8/1/2016</a:t>
+              <a:t>8/29/2016</a:t>
             </a:fld>
             <a:endParaRPr lang="en-US"/>
           </a:p>
@@ -2313,7 +2313,7 @@
           <a:p>
             <a:fld id="{BC5696E7-2F40-4445-9D0E-84CC57C7549A}" type="datetimeFigureOut">
               <a:rPr lang="en-US" smtClean="0"/>
-              <a:t>8/1/2016</a:t>
+              <a:t>8/29/2016</a:t>
             </a:fld>
             <a:endParaRPr lang="en-US"/>
           </a:p>
@@ -2590,7 +2590,7 @@
           <a:p>
             <a:fld id="{BC5696E7-2F40-4445-9D0E-84CC57C7549A}" type="datetimeFigureOut">
               <a:rPr lang="en-US" smtClean="0"/>
-              <a:t>8/1/2016</a:t>
+              <a:t>8/29/2016</a:t>
             </a:fld>
             <a:endParaRPr lang="en-US"/>
           </a:p>
@@ -2843,7 +2843,7 @@
           <a:p>
             <a:fld id="{BC5696E7-2F40-4445-9D0E-84CC57C7549A}" type="datetimeFigureOut">
               <a:rPr lang="en-US" smtClean="0"/>
-              <a:t>8/1/2016</a:t>
+              <a:t>8/29/2016</a:t>
             </a:fld>
             <a:endParaRPr lang="en-US"/>
           </a:p>
@@ -3056,7 +3056,7 @@
           <a:p>
             <a:fld id="{BC5696E7-2F40-4445-9D0E-84CC57C7549A}" type="datetimeFigureOut">
               <a:rPr lang="en-US" smtClean="0"/>
-              <a:t>8/1/2016</a:t>
+              <a:t>8/29/2016</a:t>
             </a:fld>
             <a:endParaRPr lang="en-US"/>
           </a:p>
@@ -3513,6 +3513,13 @@
   <p:clrMapOvr>
     <a:masterClrMapping/>
   </p:clrMapOvr>
+  <p:timing>
+    <p:tnLst>
+      <p:par>
+        <p:cTn id="1" dur="indefinite" restart="never" nodeType="tmRoot"/>
+      </p:par>
+    </p:tnLst>
+  </p:timing>
 </p:sld>
 </file>
 
@@ -3643,6 +3650,13 @@
   <p:clrMapOvr>
     <a:masterClrMapping/>
   </p:clrMapOvr>
+  <p:timing>
+    <p:tnLst>
+      <p:par>
+        <p:cTn id="1" dur="indefinite" restart="never" nodeType="tmRoot"/>
+      </p:par>
+    </p:tnLst>
+  </p:timing>
 </p:sld>
 </file>
 
@@ -4386,6 +4400,13 @@
   <p:clrMapOvr>
     <a:masterClrMapping/>
   </p:clrMapOvr>
+  <p:timing>
+    <p:tnLst>
+      <p:par>
+        <p:cTn id="1" dur="indefinite" restart="never" nodeType="tmRoot"/>
+      </p:par>
+    </p:tnLst>
+  </p:timing>
 </p:sld>
 </file>
 
@@ -4944,6 +4965,13 @@
   <p:clrMapOvr>
     <a:masterClrMapping/>
   </p:clrMapOvr>
+  <p:timing>
+    <p:tnLst>
+      <p:par>
+        <p:cTn id="1" dur="indefinite" restart="never" nodeType="tmRoot"/>
+      </p:par>
+    </p:tnLst>
+  </p:timing>
 </p:sld>
 </file>
 
@@ -5076,6 +5104,13 @@
   <p:clrMapOvr>
     <a:masterClrMapping/>
   </p:clrMapOvr>
+  <p:timing>
+    <p:tnLst>
+      <p:par>
+        <p:cTn id="1" dur="indefinite" restart="never" nodeType="tmRoot"/>
+      </p:par>
+    </p:tnLst>
+  </p:timing>
 </p:sld>
 </file>
 
@@ -5900,6 +5935,13 @@
   <p:clrMapOvr>
     <a:masterClrMapping/>
   </p:clrMapOvr>
+  <p:timing>
+    <p:tnLst>
+      <p:par>
+        <p:cTn id="1" dur="indefinite" restart="never" nodeType="tmRoot"/>
+      </p:par>
+    </p:tnLst>
+  </p:timing>
 </p:sld>
 </file>
 
@@ -7481,6 +7523,13 @@
   <p:clrMapOvr>
     <a:masterClrMapping/>
   </p:clrMapOvr>
+  <p:timing>
+    <p:tnLst>
+      <p:par>
+        <p:cTn id="1" dur="indefinite" restart="never" nodeType="tmRoot"/>
+      </p:par>
+    </p:tnLst>
+  </p:timing>
 </p:sld>
 </file>
 
@@ -9082,6 +9131,13 @@
   <p:clrMapOvr>
     <a:masterClrMapping/>
   </p:clrMapOvr>
+  <p:timing>
+    <p:tnLst>
+      <p:par>
+        <p:cTn id="1" dur="indefinite" restart="never" nodeType="tmRoot"/>
+      </p:par>
+    </p:tnLst>
+  </p:timing>
 </p:sld>
 </file>
 
@@ -10683,6 +10739,13 @@
   <p:clrMapOvr>
     <a:masterClrMapping/>
   </p:clrMapOvr>
+  <p:timing>
+    <p:tnLst>
+      <p:par>
+        <p:cTn id="1" dur="indefinite" restart="never" nodeType="tmRoot"/>
+      </p:par>
+    </p:tnLst>
+  </p:timing>
 </p:sld>
 </file>
 
@@ -12284,6 +12347,13 @@
   <p:clrMapOvr>
     <a:masterClrMapping/>
   </p:clrMapOvr>
+  <p:timing>
+    <p:tnLst>
+      <p:par>
+        <p:cTn id="1" dur="indefinite" restart="never" nodeType="tmRoot"/>
+      </p:par>
+    </p:tnLst>
+  </p:timing>
 </p:sld>
 </file>
 
@@ -12395,6 +12465,13 @@
   <p:clrMapOvr>
     <a:masterClrMapping/>
   </p:clrMapOvr>
+  <p:timing>
+    <p:tnLst>
+      <p:par>
+        <p:cTn id="1" dur="indefinite" restart="never" nodeType="tmRoot"/>
+      </p:par>
+    </p:tnLst>
+  </p:timing>
 </p:sld>
 </file>
 
@@ -12588,6 +12665,13 @@
   <p:clrMapOvr>
     <a:masterClrMapping/>
   </p:clrMapOvr>
+  <p:timing>
+    <p:tnLst>
+      <p:par>
+        <p:cTn id="1" dur="indefinite" restart="never" nodeType="tmRoot"/>
+      </p:par>
+    </p:tnLst>
+  </p:timing>
 </p:sld>
 </file>
 
@@ -12663,6 +12747,13 @@
   <p:clrMapOvr>
     <a:masterClrMapping/>
   </p:clrMapOvr>
+  <p:timing>
+    <p:tnLst>
+      <p:par>
+        <p:cTn id="1" dur="indefinite" restart="never" nodeType="tmRoot"/>
+      </p:par>
+    </p:tnLst>
+  </p:timing>
 </p:sld>
 </file>
 
@@ -14493,6 +14584,13 @@
   <p:clrMapOvr>
     <a:masterClrMapping/>
   </p:clrMapOvr>
+  <p:timing>
+    <p:tnLst>
+      <p:par>
+        <p:cTn id="1" dur="indefinite" restart="never" nodeType="tmRoot"/>
+      </p:par>
+    </p:tnLst>
+  </p:timing>
 </p:sld>
 </file>
 
@@ -18854,6 +18952,13 @@
   <p:clrMapOvr>
     <a:masterClrMapping/>
   </p:clrMapOvr>
+  <p:timing>
+    <p:tnLst>
+      <p:par>
+        <p:cTn id="1" dur="indefinite" restart="never" nodeType="tmRoot"/>
+      </p:par>
+    </p:tnLst>
+  </p:timing>
 </p:sld>
 </file>
 
@@ -21086,6 +21191,13 @@
   <p:clrMapOvr>
     <a:masterClrMapping/>
   </p:clrMapOvr>
+  <p:timing>
+    <p:tnLst>
+      <p:par>
+        <p:cTn id="1" dur="indefinite" restart="never" nodeType="tmRoot"/>
+      </p:par>
+    </p:tnLst>
+  </p:timing>
 </p:sld>
 </file>
 
@@ -24099,6 +24211,13 @@
   <p:clrMapOvr>
     <a:masterClrMapping/>
   </p:clrMapOvr>
+  <p:timing>
+    <p:tnLst>
+      <p:par>
+        <p:cTn id="1" dur="indefinite" restart="never" nodeType="tmRoot"/>
+      </p:par>
+    </p:tnLst>
+  </p:timing>
 </p:sld>
 </file>
 
@@ -24546,11 +24665,11 @@
   <p:clrMapOvr>
     <a:masterClrMapping/>
   </p:clrMapOvr>
-  <mc:AlternateContent xmlns:mc="http://schemas.openxmlformats.org/markup-compatibility/2006">
-    <mc:Choice xmlns:p14="http://schemas.microsoft.com/office/powerpoint/2010/main" Requires="p14">
+  <mc:AlternateContent xmlns:mc="http://schemas.openxmlformats.org/markup-compatibility/2006" xmlns:p14="http://schemas.microsoft.com/office/powerpoint/2010/main">
+    <mc:Choice Requires="p14">
       <p:transition spd="slow" p14:dur="2000"/>
     </mc:Choice>
-    <mc:Fallback>
+    <mc:Fallback xmlns="">
       <p:transition spd="slow"/>
     </mc:Fallback>
   </mc:AlternateContent>
@@ -26286,6 +26405,13 @@
   <p:clrMapOvr>
     <a:masterClrMapping/>
   </p:clrMapOvr>
+  <p:timing>
+    <p:tnLst>
+      <p:par>
+        <p:cTn id="1" dur="indefinite" restart="never" nodeType="tmRoot"/>
+      </p:par>
+    </p:tnLst>
+  </p:timing>
 </p:sld>
 </file>
 
@@ -26843,6 +26969,13 @@
   <p:clrMapOvr>
     <a:masterClrMapping/>
   </p:clrMapOvr>
+  <p:timing>
+    <p:tnLst>
+      <p:par>
+        <p:cTn id="1" dur="indefinite" restart="never" nodeType="tmRoot"/>
+      </p:par>
+    </p:tnLst>
+  </p:timing>
 </p:sld>
 </file>
 
@@ -27056,7 +27189,11 @@
             <a:graphicFrameLocks noGrp="1"/>
           </p:cNvGraphicFramePr>
           <p:nvPr>
-            <p:extLst/>
+            <p:extLst>
+              <p:ext uri="{D42A27DB-BD31-4B8C-83A1-F6EECF244321}">
+                <p14:modId xmlns:p14="http://schemas.microsoft.com/office/powerpoint/2010/main" val="3268662328"/>
+              </p:ext>
+            </p:extLst>
           </p:nvPr>
         </p:nvGraphicFramePr>
         <p:xfrm>
@@ -27169,10 +27306,7 @@
                     <a:lstStyle/>
                     <a:p>
                       <a:pPr algn="ctr"/>
-                      <a:r>
-                        <a:rPr lang="en-US" sz="2000" dirty="0"/>
-                        <a:t>h</a:t>
-                      </a:r>
+                      <a:endParaRPr lang="en-US" sz="2000" dirty="0"/>
                     </a:p>
                   </a:txBody>
                   <a:tcPr/>
@@ -27286,16 +27420,54 @@
           </a:fontRef>
         </p:style>
       </p:cxnSp>
+      <p:sp>
+        <p:nvSpPr>
+          <p:cNvPr id="12" name="TextBox 11"/>
+          <p:cNvSpPr txBox="1"/>
+          <p:nvPr/>
+        </p:nvSpPr>
+        <p:spPr>
+          <a:xfrm>
+            <a:off x="8534401" y="3502968"/>
+            <a:ext cx="2048959" cy="461665"/>
+          </a:xfrm>
+          <a:prstGeom prst="rect">
+            <a:avLst/>
+          </a:prstGeom>
+          <a:noFill/>
+        </p:spPr>
+        <p:txBody>
+          <a:bodyPr wrap="none" rtlCol="0">
+            <a:spAutoFit/>
+          </a:bodyPr>
+          <a:lstStyle/>
+          <a:p>
+            <a:r>
+              <a:rPr lang="th-TH" sz="2400" dirty="0"/>
+              <a:t>เปรียบเทียบ </a:t>
+            </a:r>
+            <a:r>
+              <a:rPr lang="en-US" sz="2400" dirty="0"/>
+              <a:t>n-1 </a:t>
+            </a:r>
+            <a:r>
+              <a:rPr lang="th-TH" sz="2400" dirty="0"/>
+              <a:t>ครั้ง</a:t>
+            </a:r>
+            <a:endParaRPr lang="en-US" sz="2400" dirty="0"/>
+          </a:p>
+        </p:txBody>
+      </p:sp>
       <p:cxnSp>
         <p:nvCxnSpPr>
-          <p:cNvPr id="15" name="Straight Arrow Connector 14"/>
+          <p:cNvPr id="14" name="Straight Arrow Connector 13"/>
           <p:cNvCxnSpPr/>
           <p:nvPr/>
         </p:nvCxnSpPr>
         <p:spPr>
-          <a:xfrm>
-            <a:off x="5181600" y="3276600"/>
-            <a:ext cx="3048000" cy="1143000"/>
+          <a:xfrm flipH="1">
+            <a:off x="3567448" y="3246636"/>
+            <a:ext cx="898301" cy="1067787"/>
           </a:xfrm>
           <a:prstGeom prst="straightConnector1">
             <a:avLst/>
@@ -27319,44 +27491,6 @@
           </a:fontRef>
         </p:style>
       </p:cxnSp>
-      <p:sp>
-        <p:nvSpPr>
-          <p:cNvPr id="12" name="TextBox 11"/>
-          <p:cNvSpPr txBox="1"/>
-          <p:nvPr/>
-        </p:nvSpPr>
-        <p:spPr>
-          <a:xfrm>
-            <a:off x="8534401" y="3502968"/>
-            <a:ext cx="2048959" cy="461665"/>
-          </a:xfrm>
-          <a:prstGeom prst="rect">
-            <a:avLst/>
-          </a:prstGeom>
-          <a:noFill/>
-        </p:spPr>
-        <p:txBody>
-          <a:bodyPr wrap="none" rtlCol="0">
-            <a:spAutoFit/>
-          </a:bodyPr>
-          <a:lstStyle/>
-          <a:p>
-            <a:r>
-              <a:rPr lang="th-TH" sz="2400" dirty="0"/>
-              <a:t>เปรียบเทียบ </a:t>
-            </a:r>
-            <a:r>
-              <a:rPr lang="en-US" sz="2400" dirty="0"/>
-              <a:t>n-1 </a:t>
-            </a:r>
-            <a:r>
-              <a:rPr lang="th-TH" sz="2400" dirty="0"/>
-              <a:t>ครั้ง</a:t>
-            </a:r>
-            <a:endParaRPr lang="en-US" sz="2400" dirty="0"/>
-          </a:p>
-        </p:txBody>
-      </p:sp>
     </p:spTree>
     <p:extLst>
       <p:ext uri="{BB962C8B-B14F-4D97-AF65-F5344CB8AC3E}">
@@ -27367,6 +27501,13 @@
   <p:clrMapOvr>
     <a:masterClrMapping/>
   </p:clrMapOvr>
+  <p:timing>
+    <p:tnLst>
+      <p:par>
+        <p:cTn id="1" dur="indefinite" restart="never" nodeType="tmRoot"/>
+      </p:par>
+    </p:tnLst>
+  </p:timing>
 </p:sld>
 </file>
 
@@ -27580,7 +27721,11 @@
             <a:graphicFrameLocks noGrp="1"/>
           </p:cNvGraphicFramePr>
           <p:nvPr>
-            <p:extLst/>
+            <p:extLst>
+              <p:ext uri="{D42A27DB-BD31-4B8C-83A1-F6EECF244321}">
+                <p14:modId xmlns:p14="http://schemas.microsoft.com/office/powerpoint/2010/main" val="2199671914"/>
+              </p:ext>
+            </p:extLst>
           </p:nvPr>
         </p:nvGraphicFramePr>
         <p:xfrm>
@@ -27637,10 +27782,7 @@
                     <a:lstStyle/>
                     <a:p>
                       <a:pPr algn="ctr"/>
-                      <a:r>
-                        <a:rPr lang="en-US" sz="2000" dirty="0"/>
-                        <a:t>e</a:t>
-                      </a:r>
+                      <a:endParaRPr lang="en-US" sz="2000" dirty="0"/>
                     </a:p>
                   </a:txBody>
                   <a:tcPr/>
@@ -27693,10 +27835,7 @@
                     <a:lstStyle/>
                     <a:p>
                       <a:pPr algn="ctr"/>
-                      <a:r>
-                        <a:rPr lang="en-US" sz="2000" dirty="0"/>
-                        <a:t>h</a:t>
-                      </a:r>
+                      <a:endParaRPr lang="en-US" sz="2000" dirty="0"/>
                     </a:p>
                   </a:txBody>
                   <a:tcPr/>
@@ -27784,9 +27923,9 @@
           <p:nvPr/>
         </p:nvCxnSpPr>
         <p:spPr>
-          <a:xfrm>
-            <a:off x="6324600" y="3276600"/>
-            <a:ext cx="2133600" cy="1143000"/>
+          <a:xfrm flipH="1">
+            <a:off x="4842457" y="3276600"/>
+            <a:ext cx="953036" cy="1143000"/>
           </a:xfrm>
           <a:prstGeom prst="straightConnector1">
             <a:avLst/>
@@ -27858,6 +27997,13 @@
   <p:clrMapOvr>
     <a:masterClrMapping/>
   </p:clrMapOvr>
+  <p:timing>
+    <p:tnLst>
+      <p:par>
+        <p:cTn id="1" dur="indefinite" restart="never" nodeType="tmRoot"/>
+      </p:par>
+    </p:tnLst>
+  </p:timing>
 </p:sld>
 </file>
 
